--- a/A6Blue 1122.pptx
+++ b/A6Blue 1122.pptx
@@ -246,7 +246,7 @@
           <a:p>
             <a:fld id="{E590ACC2-2C1A-4ABB-95A8-41E96F93C74A}" type="datetimeFigureOut">
               <a:rPr lang="ko-KR" altLang="en-US" smtClean="0"/>
-              <a:t>2022-11-22</a:t>
+              <a:t>2022-11-29</a:t>
             </a:fld>
             <a:endParaRPr lang="ko-KR" altLang="en-US"/>
           </a:p>
@@ -423,7 +423,7 @@
           <a:p>
             <a:fld id="{09AE223B-2BBB-4549-9C82-BC90802838D5}" type="datetimeFigureOut">
               <a:rPr lang="ko-KR" altLang="en-US" smtClean="0"/>
-              <a:t>2022-11-22</a:t>
+              <a:t>2022-11-29</a:t>
             </a:fld>
             <a:endParaRPr lang="ko-KR" altLang="en-US"/>
           </a:p>
@@ -819,7 +819,7 @@
           <a:p>
             <a:fld id="{C3C70BD7-7C3E-4EA0-963F-A40A69AB3032}" type="datetimeFigureOut">
               <a:rPr lang="ko-KR" altLang="en-US" smtClean="0"/>
-              <a:t>2022-11-22</a:t>
+              <a:t>2022-11-29</a:t>
             </a:fld>
             <a:endParaRPr lang="ko-KR" altLang="en-US"/>
           </a:p>
@@ -987,7 +987,7 @@
           <a:p>
             <a:fld id="{C3C70BD7-7C3E-4EA0-963F-A40A69AB3032}" type="datetimeFigureOut">
               <a:rPr lang="ko-KR" altLang="en-US" smtClean="0"/>
-              <a:t>2022-11-22</a:t>
+              <a:t>2022-11-29</a:t>
             </a:fld>
             <a:endParaRPr lang="ko-KR" altLang="en-US"/>
           </a:p>
@@ -1165,7 +1165,7 @@
           <a:p>
             <a:fld id="{C3C70BD7-7C3E-4EA0-963F-A40A69AB3032}" type="datetimeFigureOut">
               <a:rPr lang="ko-KR" altLang="en-US" smtClean="0"/>
-              <a:t>2022-11-22</a:t>
+              <a:t>2022-11-29</a:t>
             </a:fld>
             <a:endParaRPr lang="ko-KR" altLang="en-US"/>
           </a:p>
@@ -1333,7 +1333,7 @@
           <a:p>
             <a:fld id="{C3C70BD7-7C3E-4EA0-963F-A40A69AB3032}" type="datetimeFigureOut">
               <a:rPr lang="ko-KR" altLang="en-US" smtClean="0"/>
-              <a:t>2022-11-22</a:t>
+              <a:t>2022-11-29</a:t>
             </a:fld>
             <a:endParaRPr lang="ko-KR" altLang="en-US"/>
           </a:p>
@@ -1578,7 +1578,7 @@
           <a:p>
             <a:fld id="{C3C70BD7-7C3E-4EA0-963F-A40A69AB3032}" type="datetimeFigureOut">
               <a:rPr lang="ko-KR" altLang="en-US" smtClean="0"/>
-              <a:t>2022-11-22</a:t>
+              <a:t>2022-11-29</a:t>
             </a:fld>
             <a:endParaRPr lang="ko-KR" altLang="en-US"/>
           </a:p>
@@ -1807,7 +1807,7 @@
           <a:p>
             <a:fld id="{C3C70BD7-7C3E-4EA0-963F-A40A69AB3032}" type="datetimeFigureOut">
               <a:rPr lang="ko-KR" altLang="en-US" smtClean="0"/>
-              <a:t>2022-11-22</a:t>
+              <a:t>2022-11-29</a:t>
             </a:fld>
             <a:endParaRPr lang="ko-KR" altLang="en-US"/>
           </a:p>
@@ -2171,7 +2171,7 @@
           <a:p>
             <a:fld id="{C3C70BD7-7C3E-4EA0-963F-A40A69AB3032}" type="datetimeFigureOut">
               <a:rPr lang="ko-KR" altLang="en-US" smtClean="0"/>
-              <a:t>2022-11-22</a:t>
+              <a:t>2022-11-29</a:t>
             </a:fld>
             <a:endParaRPr lang="ko-KR" altLang="en-US"/>
           </a:p>
@@ -2288,7 +2288,7 @@
           <a:p>
             <a:fld id="{C3C70BD7-7C3E-4EA0-963F-A40A69AB3032}" type="datetimeFigureOut">
               <a:rPr lang="ko-KR" altLang="en-US" smtClean="0"/>
-              <a:t>2022-11-22</a:t>
+              <a:t>2022-11-29</a:t>
             </a:fld>
             <a:endParaRPr lang="ko-KR" altLang="en-US"/>
           </a:p>
@@ -2383,7 +2383,7 @@
           <a:p>
             <a:fld id="{C3C70BD7-7C3E-4EA0-963F-A40A69AB3032}" type="datetimeFigureOut">
               <a:rPr lang="ko-KR" altLang="en-US" smtClean="0"/>
-              <a:t>2022-11-22</a:t>
+              <a:t>2022-11-29</a:t>
             </a:fld>
             <a:endParaRPr lang="ko-KR" altLang="en-US"/>
           </a:p>
@@ -2658,7 +2658,7 @@
           <a:p>
             <a:fld id="{C3C70BD7-7C3E-4EA0-963F-A40A69AB3032}" type="datetimeFigureOut">
               <a:rPr lang="ko-KR" altLang="en-US" smtClean="0"/>
-              <a:t>2022-11-22</a:t>
+              <a:t>2022-11-29</a:t>
             </a:fld>
             <a:endParaRPr lang="ko-KR" altLang="en-US"/>
           </a:p>
@@ -2910,7 +2910,7 @@
           <a:p>
             <a:fld id="{C3C70BD7-7C3E-4EA0-963F-A40A69AB3032}" type="datetimeFigureOut">
               <a:rPr lang="ko-KR" altLang="en-US" smtClean="0"/>
-              <a:t>2022-11-22</a:t>
+              <a:t>2022-11-29</a:t>
             </a:fld>
             <a:endParaRPr lang="ko-KR" altLang="en-US"/>
           </a:p>
@@ -3130,7 +3130,7 @@
           <a:p>
             <a:fld id="{C3C70BD7-7C3E-4EA0-963F-A40A69AB3032}" type="datetimeFigureOut">
               <a:rPr lang="ko-KR" altLang="en-US" smtClean="0"/>
-              <a:t>2022-11-22</a:t>
+              <a:t>2022-11-29</a:t>
             </a:fld>
             <a:endParaRPr lang="ko-KR" altLang="en-US"/>
           </a:p>
